--- a/01_studies/01_Laborstudie ProVisioNET/Scripts/1_script_provisionet_AL.pptx
+++ b/01_studies/01_Laborstudie ProVisioNET/Scripts/1_script_provisionet_AL.pptx
@@ -6,8 +6,8 @@
   </p:sldMasterIdLst>
   <p:sldIdLst>
     <p:sldId id="256" r:id="rId2"/>
-    <p:sldId id="276" r:id="rId3"/>
-    <p:sldId id="306" r:id="rId4"/>
+    <p:sldId id="306" r:id="rId3"/>
+    <p:sldId id="276" r:id="rId4"/>
     <p:sldId id="277" r:id="rId5"/>
     <p:sldId id="333" r:id="rId6"/>
     <p:sldId id="334" r:id="rId7"/>
@@ -140,6 +140,27 @@
 </p:presentation>
 </file>
 
+<file path=ppt/changesInfos/changesInfo1.xml><?xml version="1.0" encoding="utf-8"?>
+<pc:chgInfo xmlns:a="http://schemas.openxmlformats.org/drawingml/2006/main" xmlns:r="http://schemas.openxmlformats.org/officeDocument/2006/relationships" xmlns:ac="http://schemas.microsoft.com/office/drawing/2013/main/command" xmlns:pc="http://schemas.microsoft.com/office/powerpoint/2013/main/command">
+  <pc:docChgLst>
+    <pc:chgData userId="505858402c07da9d" providerId="LiveId" clId="{F5A5D4B7-6B66-4AEA-9656-6F11064E6448}"/>
+    <pc:docChg chg="modSld sldOrd">
+      <pc:chgData name="" userId="505858402c07da9d" providerId="LiveId" clId="{F5A5D4B7-6B66-4AEA-9656-6F11064E6448}" dt="2021-07-21T13:25:14.657" v="0"/>
+      <pc:docMkLst>
+        <pc:docMk/>
+      </pc:docMkLst>
+      <pc:sldChg chg="ord">
+        <pc:chgData name="" userId="505858402c07da9d" providerId="LiveId" clId="{F5A5D4B7-6B66-4AEA-9656-6F11064E6448}" dt="2021-07-21T13:25:14.657" v="0"/>
+        <pc:sldMkLst>
+          <pc:docMk/>
+          <pc:sldMk cId="1472139456" sldId="306"/>
+        </pc:sldMkLst>
+      </pc:sldChg>
+    </pc:docChg>
+  </pc:docChgLst>
+</pc:chgInfo>
+</file>
+
 <file path=ppt/slideLayouts/slideLayout1.xml><?xml version="1.0" encoding="utf-8"?>
 <p:sldLayout xmlns:a="http://schemas.openxmlformats.org/drawingml/2006/main" xmlns:r="http://schemas.openxmlformats.org/officeDocument/2006/relationships" xmlns:p="http://schemas.openxmlformats.org/presentationml/2006/main" showMasterSp="0" type="title" preserve="1">
   <p:cSld name="Titelfolie">
@@ -367,7 +388,7 @@
             <a:fld id="{87DE6118-2437-4B30-8E3C-4D2BE6020583}" type="datetimeFigureOut">
               <a:rPr lang="en-US" smtClean="0"/>
               <a:pPr/>
-              <a:t>6/17/2021</a:t>
+              <a:t>7/21/2021</a:t>
             </a:fld>
             <a:endParaRPr lang="en-US" dirty="0"/>
           </a:p>
@@ -584,7 +605,7 @@
           <a:p>
             <a:fld id="{87DE6118-2437-4B30-8E3C-4D2BE6020583}" type="datetimeFigureOut">
               <a:rPr lang="en-US" smtClean="0"/>
-              <a:t>6/17/2021</a:t>
+              <a:t>7/21/2021</a:t>
             </a:fld>
             <a:endParaRPr lang="en-US" dirty="0"/>
           </a:p>
@@ -848,7 +869,7 @@
           <a:p>
             <a:fld id="{87DE6118-2437-4B30-8E3C-4D2BE6020583}" type="datetimeFigureOut">
               <a:rPr lang="en-US" smtClean="0"/>
-              <a:t>6/17/2021</a:t>
+              <a:t>7/21/2021</a:t>
             </a:fld>
             <a:endParaRPr lang="en-US" dirty="0"/>
           </a:p>
@@ -1026,7 +1047,7 @@
           <a:p>
             <a:fld id="{87DE6118-2437-4B30-8E3C-4D2BE6020583}" type="datetimeFigureOut">
               <a:rPr lang="en-US" smtClean="0"/>
-              <a:t>6/17/2021</a:t>
+              <a:t>7/21/2021</a:t>
             </a:fld>
             <a:endParaRPr lang="en-US" dirty="0"/>
           </a:p>
@@ -1378,7 +1399,7 @@
             <a:fld id="{87DE6118-2437-4B30-8E3C-4D2BE6020583}" type="datetimeFigureOut">
               <a:rPr lang="en-US" smtClean="0"/>
               <a:pPr/>
-              <a:t>6/17/2021</a:t>
+              <a:t>7/21/2021</a:t>
             </a:fld>
             <a:endParaRPr lang="en-US" dirty="0"/>
           </a:p>
@@ -1662,7 +1683,7 @@
           <a:p>
             <a:fld id="{87DE6118-2437-4B30-8E3C-4D2BE6020583}" type="datetimeFigureOut">
               <a:rPr lang="en-US" smtClean="0"/>
-              <a:t>6/17/2021</a:t>
+              <a:t>7/21/2021</a:t>
             </a:fld>
             <a:endParaRPr lang="en-US" dirty="0"/>
           </a:p>
@@ -2049,7 +2070,7 @@
           <a:p>
             <a:fld id="{87DE6118-2437-4B30-8E3C-4D2BE6020583}" type="datetimeFigureOut">
               <a:rPr lang="en-US" smtClean="0"/>
-              <a:t>6/17/2021</a:t>
+              <a:t>7/21/2021</a:t>
             </a:fld>
             <a:endParaRPr lang="en-US" dirty="0"/>
           </a:p>
@@ -2175,7 +2196,7 @@
           <a:p>
             <a:fld id="{87DE6118-2437-4B30-8E3C-4D2BE6020583}" type="datetimeFigureOut">
               <a:rPr lang="en-US" smtClean="0"/>
-              <a:t>6/17/2021</a:t>
+              <a:t>7/21/2021</a:t>
             </a:fld>
             <a:endParaRPr lang="en-US" dirty="0"/>
           </a:p>
@@ -2354,7 +2375,7 @@
           <a:p>
             <a:fld id="{87DE6118-2437-4B30-8E3C-4D2BE6020583}" type="datetimeFigureOut">
               <a:rPr lang="en-US" smtClean="0"/>
-              <a:t>6/17/2021</a:t>
+              <a:t>7/21/2021</a:t>
             </a:fld>
             <a:endParaRPr lang="en-US" dirty="0"/>
           </a:p>
@@ -2717,7 +2738,7 @@
             <a:fld id="{87DE6118-2437-4B30-8E3C-4D2BE6020583}" type="datetimeFigureOut">
               <a:rPr lang="en-US" smtClean="0"/>
               <a:pPr/>
-              <a:t>6/17/2021</a:t>
+              <a:t>7/21/2021</a:t>
             </a:fld>
             <a:endParaRPr lang="en-US" dirty="0"/>
           </a:p>
@@ -3104,7 +3125,7 @@
             <a:fld id="{87DE6118-2437-4B30-8E3C-4D2BE6020583}" type="datetimeFigureOut">
               <a:rPr lang="en-US" smtClean="0"/>
               <a:pPr/>
-              <a:t>6/17/2021</a:t>
+              <a:t>7/21/2021</a:t>
             </a:fld>
             <a:endParaRPr lang="en-US" dirty="0"/>
           </a:p>
@@ -3401,7 +3422,7 @@
             <a:fld id="{87DE6118-2437-4B30-8E3C-4D2BE6020583}" type="datetimeFigureOut">
               <a:rPr lang="en-US" smtClean="0"/>
               <a:pPr/>
-              <a:t>6/17/2021</a:t>
+              <a:t>7/21/2021</a:t>
             </a:fld>
             <a:endParaRPr lang="en-US" dirty="0"/>
           </a:p>
@@ -7332,7 +7353,7 @@
           <p:cNvPr id="2" name="Titel 1">
             <a:extLst>
               <a:ext uri="{FF2B5EF4-FFF2-40B4-BE49-F238E27FC236}">
-                <a16:creationId xmlns:a16="http://schemas.microsoft.com/office/drawing/2014/main" id="{07A30082-8A06-42F0-9FB4-0D86CFABBA99}"/>
+                <a16:creationId xmlns:a16="http://schemas.microsoft.com/office/drawing/2014/main" id="{B7D981EF-161D-4E9B-B4E7-F4DCA7AF28DD}"/>
               </a:ext>
             </a:extLst>
           </p:cNvPr>
@@ -7352,7 +7373,37 @@
           <a:p>
             <a:r>
               <a:rPr lang="de-DE" sz="9600" dirty="0"/>
-              <a:t>Kalibrierung</a:t>
+              <a:t>Klatschen</a:t>
+            </a:r>
+          </a:p>
+        </p:txBody>
+      </p:sp>
+      <p:sp>
+        <p:nvSpPr>
+          <p:cNvPr id="3" name="Untertitel 2">
+            <a:extLst>
+              <a:ext uri="{FF2B5EF4-FFF2-40B4-BE49-F238E27FC236}">
+                <a16:creationId xmlns:a16="http://schemas.microsoft.com/office/drawing/2014/main" id="{1B44B4C3-86F5-48DB-AF45-0D95F8F19B7A}"/>
+              </a:ext>
+            </a:extLst>
+          </p:cNvPr>
+          <p:cNvSpPr>
+            <a:spLocks noGrp="1"/>
+          </p:cNvSpPr>
+          <p:nvPr>
+            <p:ph type="subTitle" idx="1"/>
+          </p:nvPr>
+        </p:nvSpPr>
+        <p:spPr/>
+        <p:txBody>
+          <a:bodyPr>
+            <a:normAutofit/>
+          </a:bodyPr>
+          <a:lstStyle/>
+          <a:p>
+            <a:r>
+              <a:rPr lang="de-DE" sz="3200" dirty="0"/>
+              <a:t>Synchronisierung der technischen Geräte</a:t>
             </a:r>
           </a:p>
         </p:txBody>
@@ -7360,7 +7411,7 @@
     </p:spTree>
     <p:extLst>
       <p:ext uri="{BB962C8B-B14F-4D97-AF65-F5344CB8AC3E}">
-        <p14:creationId xmlns:p14="http://schemas.microsoft.com/office/powerpoint/2010/main" val="3099489455"/>
+        <p14:creationId xmlns:p14="http://schemas.microsoft.com/office/powerpoint/2010/main" val="1472139456"/>
       </p:ext>
     </p:extLst>
   </p:cSld>
@@ -9252,11 +9303,11 @@
   <p:clrMapOvr>
     <a:masterClrMapping/>
   </p:clrMapOvr>
-  <mc:AlternateContent xmlns:mc="http://schemas.openxmlformats.org/markup-compatibility/2006">
-    <mc:Choice xmlns:p14="http://schemas.microsoft.com/office/powerpoint/2010/main" Requires="p14">
+  <mc:AlternateContent xmlns:mc="http://schemas.openxmlformats.org/markup-compatibility/2006" xmlns:p14="http://schemas.microsoft.com/office/powerpoint/2010/main">
+    <mc:Choice Requires="p14">
       <p:transition spd="slow" p14:dur="2000" advClick="0" advTm="60000"/>
     </mc:Choice>
-    <mc:Fallback>
+    <mc:Fallback xmlns="">
       <p:transition spd="slow" advClick="0" advTm="60000"/>
     </mc:Fallback>
   </mc:AlternateContent>
@@ -9581,11 +9632,11 @@
   <p:clrMapOvr>
     <a:masterClrMapping/>
   </p:clrMapOvr>
-  <mc:AlternateContent xmlns:mc="http://schemas.openxmlformats.org/markup-compatibility/2006">
-    <mc:Choice xmlns:p14="http://schemas.microsoft.com/office/powerpoint/2010/main" Requires="p14">
+  <mc:AlternateContent xmlns:mc="http://schemas.openxmlformats.org/markup-compatibility/2006" xmlns:p14="http://schemas.microsoft.com/office/powerpoint/2010/main">
+    <mc:Choice Requires="p14">
       <p:transition spd="slow" p14:dur="2000" advClick="0" advTm="60000"/>
     </mc:Choice>
-    <mc:Fallback>
+    <mc:Fallback xmlns="">
       <p:transition spd="slow" advClick="0" advTm="60000"/>
     </mc:Fallback>
   </mc:AlternateContent>
@@ -9890,7 +9941,7 @@
           <p:cNvPr id="2" name="Titel 1">
             <a:extLst>
               <a:ext uri="{FF2B5EF4-FFF2-40B4-BE49-F238E27FC236}">
-                <a16:creationId xmlns:a16="http://schemas.microsoft.com/office/drawing/2014/main" id="{B7D981EF-161D-4E9B-B4E7-F4DCA7AF28DD}"/>
+                <a16:creationId xmlns:a16="http://schemas.microsoft.com/office/drawing/2014/main" id="{07A30082-8A06-42F0-9FB4-0D86CFABBA99}"/>
               </a:ext>
             </a:extLst>
           </p:cNvPr>
@@ -9910,37 +9961,7 @@
           <a:p>
             <a:r>
               <a:rPr lang="de-DE" sz="9600" dirty="0"/>
-              <a:t>Klatschen</a:t>
-            </a:r>
-          </a:p>
-        </p:txBody>
-      </p:sp>
-      <p:sp>
-        <p:nvSpPr>
-          <p:cNvPr id="3" name="Untertitel 2">
-            <a:extLst>
-              <a:ext uri="{FF2B5EF4-FFF2-40B4-BE49-F238E27FC236}">
-                <a16:creationId xmlns:a16="http://schemas.microsoft.com/office/drawing/2014/main" id="{1B44B4C3-86F5-48DB-AF45-0D95F8F19B7A}"/>
-              </a:ext>
-            </a:extLst>
-          </p:cNvPr>
-          <p:cNvSpPr>
-            <a:spLocks noGrp="1"/>
-          </p:cNvSpPr>
-          <p:nvPr>
-            <p:ph type="subTitle" idx="1"/>
-          </p:nvPr>
-        </p:nvSpPr>
-        <p:spPr/>
-        <p:txBody>
-          <a:bodyPr>
-            <a:normAutofit/>
-          </a:bodyPr>
-          <a:lstStyle/>
-          <a:p>
-            <a:r>
-              <a:rPr lang="de-DE" sz="3200" dirty="0"/>
-              <a:t>Synchronisierung der technischen Geräte</a:t>
+              <a:t>Kalibrierung</a:t>
             </a:r>
           </a:p>
         </p:txBody>
@@ -9948,7 +9969,7 @@
     </p:spTree>
     <p:extLst>
       <p:ext uri="{BB962C8B-B14F-4D97-AF65-F5344CB8AC3E}">
-        <p14:creationId xmlns:p14="http://schemas.microsoft.com/office/powerpoint/2010/main" val="1472139456"/>
+        <p14:creationId xmlns:p14="http://schemas.microsoft.com/office/powerpoint/2010/main" val="3099489455"/>
       </p:ext>
     </p:extLst>
   </p:cSld>
